--- a/docs/source/_static/logo_name.pptx
+++ b/docs/source/_static/logo_name.pptx
@@ -2972,8 +2972,8 @@
         </p:nvSpPr>
         <p:spPr>
           <a:xfrm>
-            <a:off x="1617786" y="2658794"/>
-            <a:ext cx="6935372" cy="1107996"/>
+            <a:off x="1617785" y="2658794"/>
+            <a:ext cx="5960651" cy="1107996"/>
           </a:xfrm>
           <a:prstGeom prst="rect">
             <a:avLst/>
@@ -3020,18 +3020,112 @@
                 <a:ea typeface="Andale Mono" charset="0"/>
                 <a:cs typeface="Andale Mono" charset="0"/>
               </a:rPr>
-              <a:t>]: </a:t>
-            </a:r>
+              <a:t>]:</a:t>
+            </a:r>
+            <a:r>
+              <a:rPr lang="en-GB" sz="6600" spc="-500" dirty="0" smtClean="0">
+                <a:latin typeface="Andale Mono" charset="0"/>
+                <a:ea typeface="Andale Mono" charset="0"/>
+                <a:cs typeface="Andale Mono" charset="0"/>
+              </a:rPr>
+              <a:t>Pub</a:t>
+            </a:r>
+            <a:r>
+              <a:rPr lang="en-GB" sz="6600" spc="-700" dirty="0" smtClean="0">
+                <a:latin typeface="Andale Mono" charset="0"/>
+                <a:ea typeface="Andale Mono" charset="0"/>
+                <a:cs typeface="Andale Mono" charset="0"/>
+              </a:rPr>
+              <a:t>li</a:t>
+            </a:r>
+            <a:r>
+              <a:rPr lang="en-GB" sz="6600" spc="-500" dirty="0" smtClean="0">
+                <a:latin typeface="Andale Mono" charset="0"/>
+                <a:ea typeface="Andale Mono" charset="0"/>
+                <a:cs typeface="Andale Mono" charset="0"/>
+              </a:rPr>
+              <a:t>sh</a:t>
+            </a:r>
+            <a:endParaRPr lang="en-GB" sz="6600" spc="-500" dirty="0">
+              <a:latin typeface="Andale Mono" charset="0"/>
+              <a:ea typeface="Andale Mono" charset="0"/>
+              <a:cs typeface="Andale Mono" charset="0"/>
+            </a:endParaRPr>
+          </a:p>
+        </p:txBody>
+      </p:sp>
+      <p:sp>
+        <p:nvSpPr>
+          <p:cNvPr id="7" name="TextBox 6"/>
+          <p:cNvSpPr txBox="1"/>
+          <p:nvPr/>
+        </p:nvSpPr>
+        <p:spPr>
+          <a:xfrm>
+            <a:off x="2175163" y="845127"/>
+            <a:ext cx="5763491" cy="1107996"/>
+          </a:xfrm>
+          <a:prstGeom prst="rect">
+            <a:avLst/>
+          </a:prstGeom>
+          <a:noFill/>
+        </p:spPr>
+        <p:txBody>
+          <a:bodyPr wrap="square" rtlCol="0">
+            <a:spAutoFit/>
+          </a:bodyPr>
+          <a:lstStyle/>
+          <a:p>
             <a:r>
               <a:rPr lang="en-GB" sz="6600" dirty="0" smtClean="0">
-                <a:ea typeface="Osaka" charset="-128"/>
-                <a:cs typeface="Osaka" charset="-128"/>
+                <a:latin typeface="PT Sans Caption" charset="-52"/>
+                <a:ea typeface="PT Sans Caption" charset="-52"/>
+                <a:cs typeface="PT Sans Caption" charset="-52"/>
+              </a:rPr>
+              <a:t>IP</a:t>
+            </a:r>
+            <a:r>
+              <a:rPr lang="en-GB" sz="6600" dirty="0" smtClean="0">
+                <a:solidFill>
+                  <a:schemeClr val="accent1"/>
+                </a:solidFill>
+                <a:latin typeface="PT Sans Caption" charset="-52"/>
+                <a:ea typeface="PT Sans Caption" charset="-52"/>
+                <a:cs typeface="PT Sans Caption" charset="-52"/>
+              </a:rPr>
+              <a:t>[</a:t>
+            </a:r>
+            <a:r>
+              <a:rPr lang="en-GB" sz="6600" dirty="0" smtClean="0">
+                <a:latin typeface="PT Sans Caption" charset="-52"/>
+                <a:ea typeface="PT Sans Caption" charset="-52"/>
+                <a:cs typeface="PT Sans Caption" charset="-52"/>
+              </a:rPr>
+              <a:t>y</a:t>
+            </a:r>
+            <a:r>
+              <a:rPr lang="en-GB" sz="6600" dirty="0" smtClean="0">
+                <a:solidFill>
+                  <a:schemeClr val="accent1"/>
+                </a:solidFill>
+                <a:latin typeface="PT Sans Caption" charset="-52"/>
+                <a:ea typeface="PT Sans Caption" charset="-52"/>
+                <a:cs typeface="PT Sans Caption" charset="-52"/>
+              </a:rPr>
+              <a:t>]:</a:t>
+            </a:r>
+            <a:r>
+              <a:rPr lang="en-GB" sz="6600" dirty="0" smtClean="0">
+                <a:latin typeface="PT Sans Caption" charset="-52"/>
+                <a:ea typeface="PT Sans Caption" charset="-52"/>
+                <a:cs typeface="PT Sans Caption" charset="-52"/>
               </a:rPr>
               <a:t>Publish</a:t>
             </a:r>
             <a:endParaRPr lang="en-GB" sz="6600" dirty="0">
-              <a:ea typeface="Osaka" charset="-128"/>
-              <a:cs typeface="Osaka" charset="-128"/>
+              <a:latin typeface="PT Sans Caption" charset="-52"/>
+              <a:ea typeface="PT Sans Caption" charset="-52"/>
+              <a:cs typeface="PT Sans Caption" charset="-52"/>
             </a:endParaRPr>
           </a:p>
         </p:txBody>

--- a/docs/source/_static/logo_name.pptx
+++ b/docs/source/_static/logo_name.pptx
@@ -3063,7 +3063,7 @@
         <p:spPr>
           <a:xfrm>
             <a:off x="2175163" y="845127"/>
-            <a:ext cx="5763491" cy="1107996"/>
+            <a:ext cx="5763491" cy="1015663"/>
           </a:xfrm>
           <a:prstGeom prst="rect">
             <a:avLst/>
@@ -3071,7 +3071,7 @@
           <a:noFill/>
         </p:spPr>
         <p:txBody>
-          <a:bodyPr wrap="square" rtlCol="0">
+          <a:bodyPr wrap="square" tIns="0" bIns="0" rtlCol="0">
             <a:spAutoFit/>
           </a:bodyPr>
           <a:lstStyle/>
